--- a/웹크롤링(PPT)/핵심만 쏘~옥 실전 웹 크롤링.강의소개.pptx
+++ b/웹크롤링(PPT)/핵심만 쏘~옥 실전 웹 크롤링.강의소개.pptx
@@ -5,7 +5,7 @@
     <p:sldMasterId id="2147483648" r:id="rId1"/>
   </p:sldMasterIdLst>
   <p:handoutMasterIdLst>
-    <p:handoutMasterId r:id="rId15"/>
+    <p:handoutMasterId r:id="rId16"/>
   </p:handoutMasterIdLst>
   <p:sldIdLst>
     <p:sldId id="256" r:id="rId2"/>
@@ -20,7 +20,8 @@
     <p:sldId id="287" r:id="rId11"/>
     <p:sldId id="288" r:id="rId12"/>
     <p:sldId id="289" r:id="rId13"/>
-    <p:sldId id="263" r:id="rId14"/>
+    <p:sldId id="290" r:id="rId14"/>
+    <p:sldId id="263" r:id="rId15"/>
   </p:sldIdLst>
   <p:sldSz cx="9906000" cy="6858000" type="A4"/>
   <p:notesSz cx="10020300" cy="6888163"/>
@@ -468,7 +469,7 @@
           <a:p>
             <a:fld id="{FB30EDBD-1C2D-4C1E-B459-B60219FAB484}" type="datetimeFigureOut">
               <a:rPr lang="ko-KR" altLang="en-US" smtClean="0"/>
-              <a:t>2020-11-14</a:t>
+              <a:t>2021-01-03</a:t>
             </a:fld>
             <a:endParaRPr lang="ko-KR" altLang="en-US"/>
           </a:p>
@@ -631,7 +632,7 @@
           <a:p>
             <a:fld id="{FB30EDBD-1C2D-4C1E-B459-B60219FAB484}" type="datetimeFigureOut">
               <a:rPr lang="ko-KR" altLang="en-US" smtClean="0"/>
-              <a:t>2020-11-14</a:t>
+              <a:t>2021-01-03</a:t>
             </a:fld>
             <a:endParaRPr lang="ko-KR" altLang="en-US"/>
           </a:p>
@@ -804,7 +805,7 @@
           <a:p>
             <a:fld id="{FB30EDBD-1C2D-4C1E-B459-B60219FAB484}" type="datetimeFigureOut">
               <a:rPr lang="ko-KR" altLang="en-US" smtClean="0"/>
-              <a:t>2020-11-14</a:t>
+              <a:t>2021-01-03</a:t>
             </a:fld>
             <a:endParaRPr lang="ko-KR" altLang="en-US"/>
           </a:p>
@@ -967,7 +968,7 @@
           <a:p>
             <a:fld id="{FB30EDBD-1C2D-4C1E-B459-B60219FAB484}" type="datetimeFigureOut">
               <a:rPr lang="ko-KR" altLang="en-US" smtClean="0"/>
-              <a:t>2020-11-14</a:t>
+              <a:t>2021-01-03</a:t>
             </a:fld>
             <a:endParaRPr lang="ko-KR" altLang="en-US"/>
           </a:p>
@@ -1207,7 +1208,7 @@
           <a:p>
             <a:fld id="{FB30EDBD-1C2D-4C1E-B459-B60219FAB484}" type="datetimeFigureOut">
               <a:rPr lang="ko-KR" altLang="en-US" smtClean="0"/>
-              <a:t>2020-11-14</a:t>
+              <a:t>2021-01-03</a:t>
             </a:fld>
             <a:endParaRPr lang="ko-KR" altLang="en-US"/>
           </a:p>
@@ -1487,7 +1488,7 @@
           <a:p>
             <a:fld id="{FB30EDBD-1C2D-4C1E-B459-B60219FAB484}" type="datetimeFigureOut">
               <a:rPr lang="ko-KR" altLang="en-US" smtClean="0"/>
-              <a:t>2020-11-14</a:t>
+              <a:t>2021-01-03</a:t>
             </a:fld>
             <a:endParaRPr lang="ko-KR" altLang="en-US"/>
           </a:p>
@@ -1901,7 +1902,7 @@
           <a:p>
             <a:fld id="{FB30EDBD-1C2D-4C1E-B459-B60219FAB484}" type="datetimeFigureOut">
               <a:rPr lang="ko-KR" altLang="en-US" smtClean="0"/>
-              <a:t>2020-11-14</a:t>
+              <a:t>2021-01-03</a:t>
             </a:fld>
             <a:endParaRPr lang="ko-KR" altLang="en-US"/>
           </a:p>
@@ -2013,7 +2014,7 @@
           <a:p>
             <a:fld id="{FB30EDBD-1C2D-4C1E-B459-B60219FAB484}" type="datetimeFigureOut">
               <a:rPr lang="ko-KR" altLang="en-US" smtClean="0"/>
-              <a:t>2020-11-14</a:t>
+              <a:t>2021-01-03</a:t>
             </a:fld>
             <a:endParaRPr lang="ko-KR" altLang="en-US"/>
           </a:p>
@@ -2103,7 +2104,7 @@
           <a:p>
             <a:fld id="{FB30EDBD-1C2D-4C1E-B459-B60219FAB484}" type="datetimeFigureOut">
               <a:rPr lang="ko-KR" altLang="en-US" smtClean="0"/>
-              <a:t>2020-11-14</a:t>
+              <a:t>2021-01-03</a:t>
             </a:fld>
             <a:endParaRPr lang="ko-KR" altLang="en-US"/>
           </a:p>
@@ -2373,7 +2374,7 @@
           <a:p>
             <a:fld id="{FB30EDBD-1C2D-4C1E-B459-B60219FAB484}" type="datetimeFigureOut">
               <a:rPr lang="ko-KR" altLang="en-US" smtClean="0"/>
-              <a:t>2020-11-14</a:t>
+              <a:t>2021-01-03</a:t>
             </a:fld>
             <a:endParaRPr lang="ko-KR" altLang="en-US"/>
           </a:p>
@@ -2620,7 +2621,7 @@
           <a:p>
             <a:fld id="{FB30EDBD-1C2D-4C1E-B459-B60219FAB484}" type="datetimeFigureOut">
               <a:rPr lang="ko-KR" altLang="en-US" smtClean="0"/>
-              <a:t>2020-11-14</a:t>
+              <a:t>2021-01-03</a:t>
             </a:fld>
             <a:endParaRPr lang="ko-KR" altLang="en-US"/>
           </a:p>
@@ -2826,7 +2827,7 @@
           <a:p>
             <a:fld id="{FB30EDBD-1C2D-4C1E-B459-B60219FAB484}" type="datetimeFigureOut">
               <a:rPr lang="ko-KR" altLang="en-US" smtClean="0"/>
-              <a:t>2020-11-14</a:t>
+              <a:t>2021-01-03</a:t>
             </a:fld>
             <a:endParaRPr lang="ko-KR" altLang="en-US"/>
           </a:p>
@@ -3214,7 +3215,12 @@
             <p:ph type="ctrTitle"/>
           </p:nvPr>
         </p:nvSpPr>
-        <p:spPr/>
+        <p:spPr>
+          <a:xfrm>
+            <a:off x="742950" y="2130451"/>
+            <a:ext cx="8420100" cy="1470025"/>
+          </a:xfrm>
+        </p:spPr>
         <p:txBody>
           <a:bodyPr>
             <a:noAutofit/>
@@ -3406,8 +3412,8 @@
         </p:nvSpPr>
         <p:spPr>
           <a:xfrm>
-            <a:off x="1904729" y="6021288"/>
-            <a:ext cx="6096541" cy="369332"/>
+            <a:off x="2204729" y="6021288"/>
+            <a:ext cx="5496543" cy="369332"/>
           </a:xfrm>
           <a:prstGeom prst="rect">
             <a:avLst/>
@@ -3415,7 +3421,7 @@
           <a:noFill/>
         </p:spPr>
         <p:txBody>
-          <a:bodyPr wrap="none" rtlCol="0">
+          <a:bodyPr wrap="square" rtlCol="0">
             <a:spAutoFit/>
           </a:bodyPr>
           <a:lstStyle/>
@@ -4819,7 +4825,7 @@
         </p:nvSpPr>
         <p:spPr>
           <a:xfrm>
-            <a:off x="-474590" y="1078295"/>
+            <a:off x="-455753" y="44624"/>
             <a:ext cx="10881361" cy="2058036"/>
           </a:xfrm>
         </p:spPr>
@@ -4998,60 +5004,66 @@
           </a:p>
         </p:txBody>
       </p:sp>
-      <p:sp>
-        <p:nvSpPr>
-          <p:cNvPr id="7" name="제목 1">
+      <p:pic>
+        <p:nvPicPr>
+          <p:cNvPr id="5" name="그림 4">
             <a:extLst>
               <a:ext uri="{FF2B5EF4-FFF2-40B4-BE49-F238E27FC236}">
-                <a16:creationId xmlns:a16="http://schemas.microsoft.com/office/drawing/2014/main" id="{2AAAA25E-ACBE-4911-BC91-376935A5D68F}"/>
+                <a16:creationId xmlns:a16="http://schemas.microsoft.com/office/drawing/2014/main" id="{FFC769A1-38B0-48BF-B226-63B2EE52475A}"/>
               </a:ext>
             </a:extLst>
           </p:cNvPr>
-          <p:cNvSpPr txBox="1">
-            <a:spLocks/>
-          </p:cNvSpPr>
+          <p:cNvPicPr>
+            <a:picLocks noChangeAspect="1"/>
+          </p:cNvPicPr>
           <p:nvPr/>
-        </p:nvSpPr>
+        </p:nvPicPr>
+        <p:blipFill>
+          <a:blip r:embed="rId2"/>
+          <a:stretch>
+            <a:fillRect/>
+          </a:stretch>
+        </p:blipFill>
         <p:spPr>
           <a:xfrm>
-            <a:off x="-474590" y="2470602"/>
-            <a:ext cx="10881361" cy="2058036"/>
+            <a:off x="257334" y="1484784"/>
+            <a:ext cx="9561512" cy="4251673"/>
           </a:xfrm>
           <a:prstGeom prst="rect">
             <a:avLst/>
           </a:prstGeom>
+          <a:solidFill>
+            <a:srgbClr val="FFFFFF">
+              <a:shade val="85000"/>
+            </a:srgbClr>
+          </a:solidFill>
+          <a:ln w="88900" cap="sq">
+            <a:solidFill>
+              <a:srgbClr val="FFFFFF"/>
+            </a:solidFill>
+            <a:miter lim="800000"/>
+          </a:ln>
+          <a:effectLst>
+            <a:outerShdw blurRad="55000" dist="18000" dir="5400000" algn="tl" rotWithShape="0">
+              <a:srgbClr val="000000">
+                <a:alpha val="40000"/>
+              </a:srgbClr>
+            </a:outerShdw>
+          </a:effectLst>
+          <a:scene3d>
+            <a:camera prst="orthographicFront"/>
+            <a:lightRig rig="twoPt" dir="t">
+              <a:rot lat="0" lon="0" rev="7200000"/>
+            </a:lightRig>
+          </a:scene3d>
+          <a:sp3d>
+            <a:bevelT w="25400" h="19050"/>
+            <a:contourClr>
+              <a:srgbClr val="FFFFFF"/>
+            </a:contourClr>
+          </a:sp3d>
         </p:spPr>
-        <p:txBody>
-          <a:bodyPr vert="horz" lIns="91440" tIns="45720" rIns="91440" bIns="45720" rtlCol="0" anchor="ctr">
-            <a:normAutofit/>
-          </a:bodyPr>
-          <a:lstStyle>
-            <a:lvl1pPr algn="ctr" defTabSz="1280496" rtl="0" eaLnBrk="1" latinLnBrk="1" hangingPunct="1">
-              <a:spcBef>
-                <a:spcPct val="0"/>
-              </a:spcBef>
-              <a:buNone/>
-              <a:defRPr sz="6161" kern="1200">
-                <a:solidFill>
-                  <a:schemeClr val="tx1"/>
-                </a:solidFill>
-                <a:latin typeface="+mj-lt"/>
-                <a:ea typeface="+mj-ea"/>
-                <a:cs typeface="+mj-cs"/>
-              </a:defRPr>
-            </a:lvl1pPr>
-          </a:lstStyle>
-          <a:p>
-            <a:r>
-              <a:rPr lang="ko-KR" altLang="en-US" sz="4000" dirty="0">
-                <a:latin typeface="배달의민족 주아" pitchFamily="18" charset="-127"/>
-                <a:ea typeface="배달의민족 주아" pitchFamily="18" charset="-127"/>
-              </a:rPr>
-              <a:t>수정필요</a:t>
-            </a:r>
-          </a:p>
-        </p:txBody>
-      </p:sp>
+      </p:pic>
     </p:spTree>
     <p:extLst>
       <p:ext uri="{BB962C8B-B14F-4D97-AF65-F5344CB8AC3E}">
@@ -5184,20 +5196,335 @@
                       </p:childTnLst>
                     </p:cTn>
                   </p:par>
+                </p:childTnLst>
+              </p:cTn>
+              <p:prevCondLst>
+                <p:cond evt="onPrev" delay="0">
+                  <p:tgtEl>
+                    <p:sldTgt/>
+                  </p:tgtEl>
+                </p:cond>
+              </p:prevCondLst>
+              <p:nextCondLst>
+                <p:cond evt="onNext" delay="0">
+                  <p:tgtEl>
+                    <p:sldTgt/>
+                  </p:tgtEl>
+                </p:cond>
+              </p:nextCondLst>
+            </p:seq>
+          </p:childTnLst>
+        </p:cTn>
+      </p:par>
+    </p:tnLst>
+    <p:bldLst>
+      <p:bldP spid="2" grpId="0"/>
+      <p:bldP spid="4" grpId="0"/>
+    </p:bldLst>
+  </p:timing>
+</p:sld>
+</file>
+
+<file path=ppt/slides/slide13.xml><?xml version="1.0" encoding="utf-8"?>
+<p:sld xmlns:a="http://schemas.openxmlformats.org/drawingml/2006/main" xmlns:r="http://schemas.openxmlformats.org/officeDocument/2006/relationships" xmlns:p="http://schemas.openxmlformats.org/presentationml/2006/main">
+  <p:cSld>
+    <p:spTree>
+      <p:nvGrpSpPr>
+        <p:cNvPr id="1" name=""/>
+        <p:cNvGrpSpPr/>
+        <p:nvPr/>
+      </p:nvGrpSpPr>
+      <p:grpSpPr>
+        <a:xfrm>
+          <a:off x="0" y="0"/>
+          <a:ext cx="0" cy="0"/>
+          <a:chOff x="0" y="0"/>
+          <a:chExt cx="0" cy="0"/>
+        </a:xfrm>
+      </p:grpSpPr>
+      <p:sp>
+        <p:nvSpPr>
+          <p:cNvPr id="2" name="제목 1"/>
+          <p:cNvSpPr>
+            <a:spLocks noGrp="1"/>
+          </p:cNvSpPr>
+          <p:nvPr>
+            <p:ph type="ctrTitle"/>
+          </p:nvPr>
+        </p:nvSpPr>
+        <p:spPr>
+          <a:xfrm>
+            <a:off x="-455753" y="44624"/>
+            <a:ext cx="10881361" cy="2058036"/>
+          </a:xfrm>
+        </p:spPr>
+        <p:txBody>
+          <a:bodyPr>
+            <a:normAutofit/>
+          </a:bodyPr>
+          <a:lstStyle/>
+          <a:p>
+            <a:r>
+              <a:rPr lang="ko-KR" altLang="en-US" sz="4000" dirty="0">
+                <a:latin typeface="배달의민족 주아" pitchFamily="18" charset="-127"/>
+                <a:ea typeface="배달의민족 주아" pitchFamily="18" charset="-127"/>
+              </a:rPr>
+              <a:t>커리큘럼</a:t>
+            </a:r>
+          </a:p>
+        </p:txBody>
+      </p:sp>
+      <p:sp>
+        <p:nvSpPr>
+          <p:cNvPr id="4" name="제목 1"/>
+          <p:cNvSpPr txBox="1">
+            <a:spLocks/>
+          </p:cNvSpPr>
+          <p:nvPr/>
+        </p:nvSpPr>
+        <p:spPr>
+          <a:xfrm>
+            <a:off x="-487662" y="2118464"/>
+            <a:ext cx="10881361" cy="2058036"/>
+          </a:xfrm>
+          <a:prstGeom prst="rect">
+            <a:avLst/>
+          </a:prstGeom>
+        </p:spPr>
+        <p:txBody>
+          <a:bodyPr vert="horz" lIns="128017" tIns="64008" rIns="128017" bIns="64008" rtlCol="0" anchor="ctr">
+            <a:normAutofit/>
+          </a:bodyPr>
+          <a:lstStyle>
+            <a:lvl1pPr algn="ctr" defTabSz="914400" rtl="0" eaLnBrk="1" latinLnBrk="1" hangingPunct="1">
+              <a:spcBef>
+                <a:spcPct val="0"/>
+              </a:spcBef>
+              <a:buNone/>
+              <a:defRPr sz="4400" kern="1200">
+                <a:solidFill>
+                  <a:schemeClr val="tx1"/>
+                </a:solidFill>
+                <a:latin typeface="+mj-lt"/>
+                <a:ea typeface="+mj-ea"/>
+                <a:cs typeface="+mj-cs"/>
+              </a:defRPr>
+            </a:lvl1pPr>
+          </a:lstStyle>
+          <a:p>
+            <a:endParaRPr lang="ko-KR" altLang="en-US" sz="6161" dirty="0">
+              <a:latin typeface="배달의민족 주아" pitchFamily="18" charset="-127"/>
+              <a:ea typeface="배달의민족 주아" pitchFamily="18" charset="-127"/>
+            </a:endParaRPr>
+          </a:p>
+        </p:txBody>
+      </p:sp>
+      <p:sp>
+        <p:nvSpPr>
+          <p:cNvPr id="8" name="직사각형 7">
+            <a:extLst>
+              <a:ext uri="{FF2B5EF4-FFF2-40B4-BE49-F238E27FC236}">
+                <a16:creationId xmlns:a16="http://schemas.microsoft.com/office/drawing/2014/main" id="{D20F87F2-FE09-425D-A007-DAB2C6A81869}"/>
+              </a:ext>
+            </a:extLst>
+          </p:cNvPr>
+          <p:cNvSpPr/>
+          <p:nvPr/>
+        </p:nvSpPr>
+        <p:spPr>
+          <a:xfrm>
+            <a:off x="107504" y="116632"/>
+            <a:ext cx="3045296" cy="382092"/>
+          </a:xfrm>
+          <a:prstGeom prst="rect">
+            <a:avLst/>
+          </a:prstGeom>
+        </p:spPr>
+        <p:txBody>
+          <a:bodyPr wrap="square">
+            <a:spAutoFit/>
+          </a:bodyPr>
+          <a:lstStyle/>
+          <a:p>
+            <a:r>
+              <a:rPr lang="en-US" altLang="ko-KR" dirty="0">
+                <a:latin typeface="배달의민족 주아" pitchFamily="18" charset="-127"/>
+                <a:ea typeface="배달의민족 주아" pitchFamily="18" charset="-127"/>
+              </a:rPr>
+              <a:t>6. </a:t>
+            </a:r>
+            <a:r>
+              <a:rPr lang="ko-KR" altLang="en-US" dirty="0">
+                <a:latin typeface="배달의민족 주아" pitchFamily="18" charset="-127"/>
+                <a:ea typeface="배달의민족 주아" pitchFamily="18" charset="-127"/>
+              </a:rPr>
+              <a:t>커리큘럼</a:t>
+            </a:r>
+            <a:endParaRPr lang="ko-KR" altLang="en-US" dirty="0"/>
+          </a:p>
+        </p:txBody>
+      </p:sp>
+      <p:sp>
+        <p:nvSpPr>
+          <p:cNvPr id="9" name="TextBox 8">
+            <a:extLst>
+              <a:ext uri="{FF2B5EF4-FFF2-40B4-BE49-F238E27FC236}">
+                <a16:creationId xmlns:a16="http://schemas.microsoft.com/office/drawing/2014/main" id="{0A52F64F-B792-4431-BDEF-A09E859C9C6D}"/>
+              </a:ext>
+            </a:extLst>
+          </p:cNvPr>
+          <p:cNvSpPr txBox="1"/>
+          <p:nvPr/>
+        </p:nvSpPr>
+        <p:spPr>
+          <a:xfrm>
+            <a:off x="7761312" y="6269250"/>
+            <a:ext cx="2050200" cy="400110"/>
+          </a:xfrm>
+          <a:prstGeom prst="rect">
+            <a:avLst/>
+          </a:prstGeom>
+          <a:noFill/>
+        </p:spPr>
+        <p:txBody>
+          <a:bodyPr wrap="square" rtlCol="0">
+            <a:spAutoFit/>
+          </a:bodyPr>
+          <a:lstStyle/>
+          <a:p>
+            <a:r>
+              <a:rPr lang="en-US" altLang="ko-KR" sz="2000" dirty="0">
+                <a:solidFill>
+                  <a:schemeClr val="accent5"/>
+                </a:solidFill>
+                <a:latin typeface="배달의민족 도현" pitchFamily="50" charset="-127"/>
+                <a:ea typeface="배달의민족 도현" pitchFamily="50" charset="-127"/>
+              </a:rPr>
+              <a:t>S</a:t>
+            </a:r>
+            <a:r>
+              <a:rPr lang="en-US" altLang="ko-KR" sz="2000" dirty="0">
+                <a:latin typeface="배달의민족 도현" pitchFamily="50" charset="-127"/>
+                <a:ea typeface="배달의민족 도현" pitchFamily="50" charset="-127"/>
+              </a:rPr>
+              <a:t>TART</a:t>
+            </a:r>
+            <a:r>
+              <a:rPr lang="en-US" altLang="ko-KR" sz="2000" dirty="0">
+                <a:solidFill>
+                  <a:schemeClr val="accent5"/>
+                </a:solidFill>
+                <a:latin typeface="배달의민족 도현" pitchFamily="50" charset="-127"/>
+                <a:ea typeface="배달의민족 도현" pitchFamily="50" charset="-127"/>
+              </a:rPr>
+              <a:t>C</a:t>
+            </a:r>
+            <a:r>
+              <a:rPr lang="en-US" altLang="ko-KR" sz="2000" dirty="0">
+                <a:latin typeface="배달의민족 도현" pitchFamily="50" charset="-127"/>
+                <a:ea typeface="배달의민족 도현" pitchFamily="50" charset="-127"/>
+              </a:rPr>
+              <a:t>ODING</a:t>
+            </a:r>
+            <a:endParaRPr lang="ko-KR" altLang="en-US" sz="2000" dirty="0">
+              <a:latin typeface="배달의민족 도현" pitchFamily="50" charset="-127"/>
+              <a:ea typeface="배달의민족 도현" pitchFamily="50" charset="-127"/>
+            </a:endParaRPr>
+          </a:p>
+        </p:txBody>
+      </p:sp>
+      <p:pic>
+        <p:nvPicPr>
+          <p:cNvPr id="6" name="그림 5">
+            <a:extLst>
+              <a:ext uri="{FF2B5EF4-FFF2-40B4-BE49-F238E27FC236}">
+                <a16:creationId xmlns:a16="http://schemas.microsoft.com/office/drawing/2014/main" id="{29F7A594-8C49-4F69-B852-85803C88D452}"/>
+              </a:ext>
+            </a:extLst>
+          </p:cNvPr>
+          <p:cNvPicPr>
+            <a:picLocks noChangeAspect="1"/>
+          </p:cNvPicPr>
+          <p:nvPr/>
+        </p:nvPicPr>
+        <p:blipFill>
+          <a:blip r:embed="rId2"/>
+          <a:stretch>
+            <a:fillRect/>
+          </a:stretch>
+        </p:blipFill>
+        <p:spPr>
+          <a:xfrm>
+            <a:off x="168167" y="1628800"/>
+            <a:ext cx="9633520" cy="3903072"/>
+          </a:xfrm>
+          <a:prstGeom prst="rect">
+            <a:avLst/>
+          </a:prstGeom>
+          <a:solidFill>
+            <a:srgbClr val="FFFFFF">
+              <a:shade val="85000"/>
+            </a:srgbClr>
+          </a:solidFill>
+          <a:ln w="88900" cap="sq">
+            <a:solidFill>
+              <a:srgbClr val="FFFFFF"/>
+            </a:solidFill>
+            <a:miter lim="800000"/>
+          </a:ln>
+          <a:effectLst>
+            <a:outerShdw blurRad="55000" dist="18000" dir="5400000" algn="tl" rotWithShape="0">
+              <a:srgbClr val="000000">
+                <a:alpha val="40000"/>
+              </a:srgbClr>
+            </a:outerShdw>
+          </a:effectLst>
+          <a:scene3d>
+            <a:camera prst="orthographicFront"/>
+            <a:lightRig rig="twoPt" dir="t">
+              <a:rot lat="0" lon="0" rev="7200000"/>
+            </a:lightRig>
+          </a:scene3d>
+          <a:sp3d>
+            <a:bevelT w="25400" h="19050"/>
+            <a:contourClr>
+              <a:srgbClr val="FFFFFF"/>
+            </a:contourClr>
+          </a:sp3d>
+        </p:spPr>
+      </p:pic>
+    </p:spTree>
+    <p:extLst>
+      <p:ext uri="{BB962C8B-B14F-4D97-AF65-F5344CB8AC3E}">
+        <p14:creationId xmlns:p14="http://schemas.microsoft.com/office/powerpoint/2010/main" val="4002067506"/>
+      </p:ext>
+    </p:extLst>
+  </p:cSld>
+  <p:clrMapOvr>
+    <a:masterClrMapping/>
+  </p:clrMapOvr>
+  <p:timing>
+    <p:tnLst>
+      <p:par>
+        <p:cTn id="1" dur="indefinite" restart="never" nodeType="tmRoot">
+          <p:childTnLst>
+            <p:seq concurrent="1" nextAc="seek">
+              <p:cTn id="2" dur="indefinite" nodeType="mainSeq">
+                <p:childTnLst>
                   <p:par>
-                    <p:cTn id="13" fill="hold">
+                    <p:cTn id="3" fill="hold">
                       <p:stCondLst>
                         <p:cond delay="indefinite"/>
                       </p:stCondLst>
                       <p:childTnLst>
                         <p:par>
-                          <p:cTn id="14" fill="hold">
+                          <p:cTn id="4" fill="hold">
                             <p:stCondLst>
                               <p:cond delay="0"/>
                             </p:stCondLst>
                             <p:childTnLst>
                               <p:par>
-                                <p:cTn id="15" presetID="10" presetClass="entr" presetSubtype="0" fill="hold" grpId="0" nodeType="clickEffect">
+                                <p:cTn id="5" presetID="10" presetClass="entr" presetSubtype="0" fill="hold" grpId="0" nodeType="clickEffect">
                                   <p:stCondLst>
                                     <p:cond delay="0"/>
                                   </p:stCondLst>
@@ -5207,13 +5534,13 @@
                                   <p:childTnLst>
                                     <p:set>
                                       <p:cBhvr>
-                                        <p:cTn id="16" dur="1" fill="hold">
+                                        <p:cTn id="6" dur="1" fill="hold">
                                           <p:stCondLst>
                                             <p:cond delay="0"/>
                                           </p:stCondLst>
                                         </p:cTn>
                                         <p:tgtEl>
-                                          <p:spTgt spid="7"/>
+                                          <p:spTgt spid="2"/>
                                         </p:tgtEl>
                                         <p:attrNameLst>
                                           <p:attrName>style.visibility</p:attrName>
@@ -5225,9 +5552,67 @@
                                     </p:set>
                                     <p:animEffect transition="in" filter="fade">
                                       <p:cBhvr>
-                                        <p:cTn id="17" dur="500"/>
+                                        <p:cTn id="7" dur="500"/>
                                         <p:tgtEl>
-                                          <p:spTgt spid="7"/>
+                                          <p:spTgt spid="2"/>
+                                        </p:tgtEl>
+                                      </p:cBhvr>
+                                    </p:animEffect>
+                                  </p:childTnLst>
+                                </p:cTn>
+                              </p:par>
+                            </p:childTnLst>
+                          </p:cTn>
+                        </p:par>
+                      </p:childTnLst>
+                    </p:cTn>
+                  </p:par>
+                  <p:par>
+                    <p:cTn id="8" fill="hold">
+                      <p:stCondLst>
+                        <p:cond delay="indefinite"/>
+                      </p:stCondLst>
+                      <p:childTnLst>
+                        <p:par>
+                          <p:cTn id="9" fill="hold">
+                            <p:stCondLst>
+                              <p:cond delay="0"/>
+                            </p:stCondLst>
+                            <p:childTnLst>
+                              <p:par>
+                                <p:cTn id="10" presetID="10" presetClass="entr" presetSubtype="0" fill="hold" grpId="0" nodeType="clickEffect" nodePh="1">
+                                  <p:stCondLst>
+                                    <p:cond delay="0"/>
+                                  </p:stCondLst>
+                                  <p:endCondLst>
+                                    <p:cond evt="begin" delay="0">
+                                      <p:tn val="10"/>
+                                    </p:cond>
+                                  </p:endCondLst>
+                                  <p:childTnLst>
+                                    <p:set>
+                                      <p:cBhvr>
+                                        <p:cTn id="11" dur="1" fill="hold">
+                                          <p:stCondLst>
+                                            <p:cond delay="0"/>
+                                          </p:stCondLst>
+                                        </p:cTn>
+                                        <p:tgtEl>
+                                          <p:spTgt spid="4"/>
+                                        </p:tgtEl>
+                                        <p:attrNameLst>
+                                          <p:attrName>style.visibility</p:attrName>
+                                        </p:attrNameLst>
+                                      </p:cBhvr>
+                                      <p:to>
+                                        <p:strVal val="visible"/>
+                                      </p:to>
+                                    </p:set>
+                                    <p:animEffect transition="in" filter="fade">
+                                      <p:cBhvr>
+                                        <p:cTn id="12" dur="500"/>
+                                        <p:tgtEl>
+                                          <p:spTgt spid="4"/>
                                         </p:tgtEl>
                                       </p:cBhvr>
                                     </p:animEffect>
@@ -5264,13 +5649,12 @@
     <p:bldLst>
       <p:bldP spid="2" grpId="0"/>
       <p:bldP spid="4" grpId="0"/>
-      <p:bldP spid="7" grpId="0"/>
     </p:bldLst>
   </p:timing>
 </p:sld>
 </file>
 
-<file path=ppt/slides/slide13.xml><?xml version="1.0" encoding="utf-8"?>
+<file path=ppt/slides/slide14.xml><?xml version="1.0" encoding="utf-8"?>
 <p:sld xmlns:a="http://schemas.openxmlformats.org/drawingml/2006/main" xmlns:r="http://schemas.openxmlformats.org/officeDocument/2006/relationships" xmlns:p="http://schemas.openxmlformats.org/presentationml/2006/main">
   <p:cSld>
     <p:bg>
